--- a/Cat_Project_sample.pptx
+++ b/Cat_Project_sample.pptx
@@ -7,6 +7,7 @@
   <p:sldIdLst>
     <p:sldId id="256" r:id="rId2"/>
     <p:sldId id="257" r:id="rId3"/>
+    <p:sldId id="258" r:id="rId4"/>
   </p:sldIdLst>
   <p:sldSz cx="9144000" cy="6858000" type="screen4x3"/>
   <p:notesSz cx="6858000" cy="9144000"/>
@@ -289,7 +290,7 @@
           <a:p>
             <a:fld id="{C72250D7-D4B0-4A11-B9FD-3058DD585997}" type="datetimeFigureOut">
               <a:rPr lang="ko-KR" altLang="en-US" smtClean="0"/>
-              <a:t>2019-08-12</a:t>
+              <a:t>2019-08-13</a:t>
             </a:fld>
             <a:endParaRPr lang="ko-KR" altLang="en-US"/>
           </a:p>
@@ -459,7 +460,7 @@
           <a:p>
             <a:fld id="{C72250D7-D4B0-4A11-B9FD-3058DD585997}" type="datetimeFigureOut">
               <a:rPr lang="ko-KR" altLang="en-US" smtClean="0"/>
-              <a:t>2019-08-12</a:t>
+              <a:t>2019-08-13</a:t>
             </a:fld>
             <a:endParaRPr lang="ko-KR" altLang="en-US"/>
           </a:p>
@@ -639,7 +640,7 @@
           <a:p>
             <a:fld id="{C72250D7-D4B0-4A11-B9FD-3058DD585997}" type="datetimeFigureOut">
               <a:rPr lang="ko-KR" altLang="en-US" smtClean="0"/>
-              <a:t>2019-08-12</a:t>
+              <a:t>2019-08-13</a:t>
             </a:fld>
             <a:endParaRPr lang="ko-KR" altLang="en-US"/>
           </a:p>
@@ -809,7 +810,7 @@
           <a:p>
             <a:fld id="{C72250D7-D4B0-4A11-B9FD-3058DD585997}" type="datetimeFigureOut">
               <a:rPr lang="ko-KR" altLang="en-US" smtClean="0"/>
-              <a:t>2019-08-12</a:t>
+              <a:t>2019-08-13</a:t>
             </a:fld>
             <a:endParaRPr lang="ko-KR" altLang="en-US"/>
           </a:p>
@@ -1055,7 +1056,7 @@
           <a:p>
             <a:fld id="{C72250D7-D4B0-4A11-B9FD-3058DD585997}" type="datetimeFigureOut">
               <a:rPr lang="ko-KR" altLang="en-US" smtClean="0"/>
-              <a:t>2019-08-12</a:t>
+              <a:t>2019-08-13</a:t>
             </a:fld>
             <a:endParaRPr lang="ko-KR" altLang="en-US"/>
           </a:p>
@@ -1343,7 +1344,7 @@
           <a:p>
             <a:fld id="{C72250D7-D4B0-4A11-B9FD-3058DD585997}" type="datetimeFigureOut">
               <a:rPr lang="ko-KR" altLang="en-US" smtClean="0"/>
-              <a:t>2019-08-12</a:t>
+              <a:t>2019-08-13</a:t>
             </a:fld>
             <a:endParaRPr lang="ko-KR" altLang="en-US"/>
           </a:p>
@@ -1765,7 +1766,7 @@
           <a:p>
             <a:fld id="{C72250D7-D4B0-4A11-B9FD-3058DD585997}" type="datetimeFigureOut">
               <a:rPr lang="ko-KR" altLang="en-US" smtClean="0"/>
-              <a:t>2019-08-12</a:t>
+              <a:t>2019-08-13</a:t>
             </a:fld>
             <a:endParaRPr lang="ko-KR" altLang="en-US"/>
           </a:p>
@@ -1883,7 +1884,7 @@
           <a:p>
             <a:fld id="{C72250D7-D4B0-4A11-B9FD-3058DD585997}" type="datetimeFigureOut">
               <a:rPr lang="ko-KR" altLang="en-US" smtClean="0"/>
-              <a:t>2019-08-12</a:t>
+              <a:t>2019-08-13</a:t>
             </a:fld>
             <a:endParaRPr lang="ko-KR" altLang="en-US"/>
           </a:p>
@@ -1978,7 +1979,7 @@
           <a:p>
             <a:fld id="{C72250D7-D4B0-4A11-B9FD-3058DD585997}" type="datetimeFigureOut">
               <a:rPr lang="ko-KR" altLang="en-US" smtClean="0"/>
-              <a:t>2019-08-12</a:t>
+              <a:t>2019-08-13</a:t>
             </a:fld>
             <a:endParaRPr lang="ko-KR" altLang="en-US"/>
           </a:p>
@@ -2255,7 +2256,7 @@
           <a:p>
             <a:fld id="{C72250D7-D4B0-4A11-B9FD-3058DD585997}" type="datetimeFigureOut">
               <a:rPr lang="ko-KR" altLang="en-US" smtClean="0"/>
-              <a:t>2019-08-12</a:t>
+              <a:t>2019-08-13</a:t>
             </a:fld>
             <a:endParaRPr lang="ko-KR" altLang="en-US"/>
           </a:p>
@@ -2508,7 +2509,7 @@
           <a:p>
             <a:fld id="{C72250D7-D4B0-4A11-B9FD-3058DD585997}" type="datetimeFigureOut">
               <a:rPr lang="ko-KR" altLang="en-US" smtClean="0"/>
-              <a:t>2019-08-12</a:t>
+              <a:t>2019-08-13</a:t>
             </a:fld>
             <a:endParaRPr lang="ko-KR" altLang="en-US"/>
           </a:p>
@@ -2721,7 +2722,7 @@
           <a:p>
             <a:fld id="{C72250D7-D4B0-4A11-B9FD-3058DD585997}" type="datetimeFigureOut">
               <a:rPr lang="ko-KR" altLang="en-US" smtClean="0"/>
-              <a:t>2019-08-12</a:t>
+              <a:t>2019-08-13</a:t>
             </a:fld>
             <a:endParaRPr lang="ko-KR" altLang="en-US"/>
           </a:p>
@@ -3932,6 +3933,1761 @@
   <p:clrMapOvr>
     <a:masterClrMapping/>
   </p:clrMapOvr>
+  <p:timing>
+    <p:tnLst>
+      <p:par>
+        <p:cTn id="1" dur="indefinite" restart="never" nodeType="tmRoot"/>
+      </p:par>
+    </p:tnLst>
+  </p:timing>
+</p:sld>
+</file>
+
+<file path=ppt/slides/slide3.xml><?xml version="1.0" encoding="utf-8"?>
+<p:sld xmlns:a="http://schemas.openxmlformats.org/drawingml/2006/main" xmlns:r="http://schemas.openxmlformats.org/officeDocument/2006/relationships" xmlns:p="http://schemas.openxmlformats.org/presentationml/2006/main">
+  <p:cSld>
+    <p:spTree>
+      <p:nvGrpSpPr>
+        <p:cNvPr id="1" name=""/>
+        <p:cNvGrpSpPr/>
+        <p:nvPr/>
+      </p:nvGrpSpPr>
+      <p:grpSpPr>
+        <a:xfrm>
+          <a:off x="0" y="0"/>
+          <a:ext cx="0" cy="0"/>
+          <a:chOff x="0" y="0"/>
+          <a:chExt cx="0" cy="0"/>
+        </a:xfrm>
+      </p:grpSpPr>
+      <p:pic>
+        <p:nvPicPr>
+          <p:cNvPr id="1035" name="Picture 11" descr="ìê¸° "/>
+          <p:cNvPicPr>
+            <a:picLocks noChangeAspect="1" noChangeArrowheads="1"/>
+          </p:cNvPicPr>
+          <p:nvPr/>
+        </p:nvPicPr>
+        <p:blipFill>
+          <a:blip r:embed="rId2">
+            <a:extLst>
+              <a:ext uri="{28A0092B-C50C-407E-A947-70E740481C1C}">
+                <a14:useLocalDpi xmlns:a14="http://schemas.microsoft.com/office/drawing/2010/main" val="0"/>
+              </a:ext>
+            </a:extLst>
+          </a:blip>
+          <a:srcRect/>
+          <a:stretch>
+            <a:fillRect/>
+          </a:stretch>
+        </p:blipFill>
+        <p:spPr bwMode="auto">
+          <a:xfrm>
+            <a:off x="1900889" y="3141149"/>
+            <a:ext cx="1466350" cy="1835158"/>
+          </a:xfrm>
+          <a:prstGeom prst="rect">
+            <a:avLst/>
+          </a:prstGeom>
+          <a:noFill/>
+          <a:extLst>
+            <a:ext uri="{909E8E84-426E-40DD-AFC4-6F175D3DCCD1}">
+              <a14:hiddenFill xmlns:a14="http://schemas.microsoft.com/office/drawing/2010/main">
+                <a:solidFill>
+                  <a:srgbClr val="FFFFFF"/>
+                </a:solidFill>
+              </a14:hiddenFill>
+            </a:ext>
+          </a:extLst>
+        </p:spPr>
+      </p:pic>
+      <p:pic>
+        <p:nvPicPr>
+          <p:cNvPr id="1033" name="Picture 9" descr="ì¹ "/>
+          <p:cNvPicPr>
+            <a:picLocks noChangeAspect="1" noChangeArrowheads="1"/>
+          </p:cNvPicPr>
+          <p:nvPr/>
+        </p:nvPicPr>
+        <p:blipFill>
+          <a:blip r:embed="rId3">
+            <a:extLst>
+              <a:ext uri="{28A0092B-C50C-407E-A947-70E740481C1C}">
+                <a14:useLocalDpi xmlns:a14="http://schemas.microsoft.com/office/drawing/2010/main" val="0"/>
+              </a:ext>
+            </a:extLst>
+          </a:blip>
+          <a:srcRect/>
+          <a:stretch>
+            <a:fillRect/>
+          </a:stretch>
+        </p:blipFill>
+        <p:spPr bwMode="auto">
+          <a:xfrm>
+            <a:off x="3563888" y="3141149"/>
+            <a:ext cx="1466350" cy="1835158"/>
+          </a:xfrm>
+          <a:prstGeom prst="rect">
+            <a:avLst/>
+          </a:prstGeom>
+          <a:noFill/>
+          <a:extLst>
+            <a:ext uri="{909E8E84-426E-40DD-AFC4-6F175D3DCCD1}">
+              <a14:hiddenFill xmlns:a14="http://schemas.microsoft.com/office/drawing/2010/main">
+                <a:solidFill>
+                  <a:srgbClr val="FFFFFF"/>
+                </a:solidFill>
+              </a14:hiddenFill>
+            </a:ext>
+          </a:extLst>
+        </p:spPr>
+      </p:pic>
+      <p:pic>
+        <p:nvPicPr>
+          <p:cNvPr id="1028" name="Picture 4" descr="D:\workspace-Jwp\python\Project\Machine_Learning\Cat_Hispsterize\Jupyter\lmks_imgs\002_lmks_00.jpg"/>
+          <p:cNvPicPr>
+            <a:picLocks noChangeAspect="1" noChangeArrowheads="1"/>
+          </p:cNvPicPr>
+          <p:nvPr/>
+        </p:nvPicPr>
+        <p:blipFill>
+          <a:blip r:embed="rId4">
+            <a:extLst>
+              <a:ext uri="{28A0092B-C50C-407E-A947-70E740481C1C}">
+                <a14:useLocalDpi xmlns:a14="http://schemas.microsoft.com/office/drawing/2010/main" val="0"/>
+              </a:ext>
+            </a:extLst>
+          </a:blip>
+          <a:srcRect/>
+          <a:stretch>
+            <a:fillRect/>
+          </a:stretch>
+        </p:blipFill>
+        <p:spPr bwMode="auto">
+          <a:xfrm>
+            <a:off x="635993" y="3379758"/>
+            <a:ext cx="489272" cy="489272"/>
+          </a:xfrm>
+          <a:prstGeom prst="rect">
+            <a:avLst/>
+          </a:prstGeom>
+          <a:noFill/>
+          <a:extLst>
+            <a:ext uri="{909E8E84-426E-40DD-AFC4-6F175D3DCCD1}">
+              <a14:hiddenFill xmlns:a14="http://schemas.microsoft.com/office/drawing/2010/main">
+                <a:solidFill>
+                  <a:srgbClr val="FFFFFF"/>
+                </a:solidFill>
+              </a14:hiddenFill>
+            </a:ext>
+          </a:extLst>
+        </p:spPr>
+      </p:pic>
+      <p:pic>
+        <p:nvPicPr>
+          <p:cNvPr id="1029" name="Picture 5" descr="D:\workspace-Jwp\python\Project\Machine_Learning\Cat_Hispsterize\Jupyter\lmks_imgs\002_lmks_01.jpg"/>
+          <p:cNvPicPr>
+            <a:picLocks noChangeAspect="1" noChangeArrowheads="1"/>
+          </p:cNvPicPr>
+          <p:nvPr/>
+        </p:nvPicPr>
+        <p:blipFill>
+          <a:blip r:embed="rId5">
+            <a:extLst>
+              <a:ext uri="{28A0092B-C50C-407E-A947-70E740481C1C}">
+                <a14:useLocalDpi xmlns:a14="http://schemas.microsoft.com/office/drawing/2010/main" val="0"/>
+              </a:ext>
+            </a:extLst>
+          </a:blip>
+          <a:srcRect/>
+          <a:stretch>
+            <a:fillRect/>
+          </a:stretch>
+        </p:blipFill>
+        <p:spPr bwMode="auto">
+          <a:xfrm>
+            <a:off x="4980942" y="2060848"/>
+            <a:ext cx="489272" cy="489272"/>
+          </a:xfrm>
+          <a:prstGeom prst="rect">
+            <a:avLst/>
+          </a:prstGeom>
+          <a:noFill/>
+          <a:extLst>
+            <a:ext uri="{909E8E84-426E-40DD-AFC4-6F175D3DCCD1}">
+              <a14:hiddenFill xmlns:a14="http://schemas.microsoft.com/office/drawing/2010/main">
+                <a:solidFill>
+                  <a:srgbClr val="FFFFFF"/>
+                </a:solidFill>
+              </a14:hiddenFill>
+            </a:ext>
+          </a:extLst>
+        </p:spPr>
+      </p:pic>
+      <p:sp>
+        <p:nvSpPr>
+          <p:cNvPr id="7" name="자유형 6"/>
+          <p:cNvSpPr/>
+          <p:nvPr/>
+        </p:nvSpPr>
+        <p:spPr>
+          <a:xfrm>
+            <a:off x="710351" y="2924944"/>
+            <a:ext cx="340555" cy="257175"/>
+          </a:xfrm>
+          <a:custGeom>
+            <a:avLst/>
+            <a:gdLst>
+              <a:gd name="connsiteX0" fmla="*/ 7144 w 340555"/>
+              <a:gd name="connsiteY0" fmla="*/ 152400 h 257175"/>
+              <a:gd name="connsiteX1" fmla="*/ 9525 w 340555"/>
+              <a:gd name="connsiteY1" fmla="*/ 180975 h 257175"/>
+              <a:gd name="connsiteX2" fmla="*/ 11907 w 340555"/>
+              <a:gd name="connsiteY2" fmla="*/ 188119 h 257175"/>
+              <a:gd name="connsiteX3" fmla="*/ 14288 w 340555"/>
+              <a:gd name="connsiteY3" fmla="*/ 200025 h 257175"/>
+              <a:gd name="connsiteX4" fmla="*/ 26194 w 340555"/>
+              <a:gd name="connsiteY4" fmla="*/ 211932 h 257175"/>
+              <a:gd name="connsiteX5" fmla="*/ 33338 w 340555"/>
+              <a:gd name="connsiteY5" fmla="*/ 219075 h 257175"/>
+              <a:gd name="connsiteX6" fmla="*/ 40482 w 340555"/>
+              <a:gd name="connsiteY6" fmla="*/ 221457 h 257175"/>
+              <a:gd name="connsiteX7" fmla="*/ 54769 w 340555"/>
+              <a:gd name="connsiteY7" fmla="*/ 230982 h 257175"/>
+              <a:gd name="connsiteX8" fmla="*/ 61913 w 340555"/>
+              <a:gd name="connsiteY8" fmla="*/ 235744 h 257175"/>
+              <a:gd name="connsiteX9" fmla="*/ 69057 w 340555"/>
+              <a:gd name="connsiteY9" fmla="*/ 240507 h 257175"/>
+              <a:gd name="connsiteX10" fmla="*/ 76200 w 340555"/>
+              <a:gd name="connsiteY10" fmla="*/ 242888 h 257175"/>
+              <a:gd name="connsiteX11" fmla="*/ 83344 w 340555"/>
+              <a:gd name="connsiteY11" fmla="*/ 247650 h 257175"/>
+              <a:gd name="connsiteX12" fmla="*/ 111919 w 340555"/>
+              <a:gd name="connsiteY12" fmla="*/ 252413 h 257175"/>
+              <a:gd name="connsiteX13" fmla="*/ 138113 w 340555"/>
+              <a:gd name="connsiteY13" fmla="*/ 257175 h 257175"/>
+              <a:gd name="connsiteX14" fmla="*/ 247650 w 340555"/>
+              <a:gd name="connsiteY14" fmla="*/ 254794 h 257175"/>
+              <a:gd name="connsiteX15" fmla="*/ 266700 w 340555"/>
+              <a:gd name="connsiteY15" fmla="*/ 247650 h 257175"/>
+              <a:gd name="connsiteX16" fmla="*/ 273844 w 340555"/>
+              <a:gd name="connsiteY16" fmla="*/ 240507 h 257175"/>
+              <a:gd name="connsiteX17" fmla="*/ 292894 w 340555"/>
+              <a:gd name="connsiteY17" fmla="*/ 228600 h 257175"/>
+              <a:gd name="connsiteX18" fmla="*/ 304800 w 340555"/>
+              <a:gd name="connsiteY18" fmla="*/ 214313 h 257175"/>
+              <a:gd name="connsiteX19" fmla="*/ 319088 w 340555"/>
+              <a:gd name="connsiteY19" fmla="*/ 202407 h 257175"/>
+              <a:gd name="connsiteX20" fmla="*/ 323850 w 340555"/>
+              <a:gd name="connsiteY20" fmla="*/ 188119 h 257175"/>
+              <a:gd name="connsiteX21" fmla="*/ 335757 w 340555"/>
+              <a:gd name="connsiteY21" fmla="*/ 171450 h 257175"/>
+              <a:gd name="connsiteX22" fmla="*/ 338138 w 340555"/>
+              <a:gd name="connsiteY22" fmla="*/ 138113 h 257175"/>
+              <a:gd name="connsiteX23" fmla="*/ 340519 w 340555"/>
+              <a:gd name="connsiteY23" fmla="*/ 130969 h 257175"/>
+              <a:gd name="connsiteX24" fmla="*/ 338138 w 340555"/>
+              <a:gd name="connsiteY24" fmla="*/ 50007 h 257175"/>
+              <a:gd name="connsiteX25" fmla="*/ 330994 w 340555"/>
+              <a:gd name="connsiteY25" fmla="*/ 42863 h 257175"/>
+              <a:gd name="connsiteX26" fmla="*/ 323850 w 340555"/>
+              <a:gd name="connsiteY26" fmla="*/ 38100 h 257175"/>
+              <a:gd name="connsiteX27" fmla="*/ 300038 w 340555"/>
+              <a:gd name="connsiteY27" fmla="*/ 30957 h 257175"/>
+              <a:gd name="connsiteX28" fmla="*/ 290513 w 340555"/>
+              <a:gd name="connsiteY28" fmla="*/ 26194 h 257175"/>
+              <a:gd name="connsiteX29" fmla="*/ 276225 w 340555"/>
+              <a:gd name="connsiteY29" fmla="*/ 21432 h 257175"/>
+              <a:gd name="connsiteX30" fmla="*/ 259557 w 340555"/>
+              <a:gd name="connsiteY30" fmla="*/ 14288 h 257175"/>
+              <a:gd name="connsiteX31" fmla="*/ 245269 w 340555"/>
+              <a:gd name="connsiteY31" fmla="*/ 9525 h 257175"/>
+              <a:gd name="connsiteX32" fmla="*/ 211932 w 340555"/>
+              <a:gd name="connsiteY32" fmla="*/ 4763 h 257175"/>
+              <a:gd name="connsiteX33" fmla="*/ 180975 w 340555"/>
+              <a:gd name="connsiteY33" fmla="*/ 0 h 257175"/>
+              <a:gd name="connsiteX34" fmla="*/ 128588 w 340555"/>
+              <a:gd name="connsiteY34" fmla="*/ 4763 h 257175"/>
+              <a:gd name="connsiteX35" fmla="*/ 121444 w 340555"/>
+              <a:gd name="connsiteY35" fmla="*/ 9525 h 257175"/>
+              <a:gd name="connsiteX36" fmla="*/ 104775 w 340555"/>
+              <a:gd name="connsiteY36" fmla="*/ 16669 h 257175"/>
+              <a:gd name="connsiteX37" fmla="*/ 97632 w 340555"/>
+              <a:gd name="connsiteY37" fmla="*/ 21432 h 257175"/>
+              <a:gd name="connsiteX38" fmla="*/ 90488 w 340555"/>
+              <a:gd name="connsiteY38" fmla="*/ 23813 h 257175"/>
+              <a:gd name="connsiteX39" fmla="*/ 76200 w 340555"/>
+              <a:gd name="connsiteY39" fmla="*/ 33338 h 257175"/>
+              <a:gd name="connsiteX40" fmla="*/ 61913 w 340555"/>
+              <a:gd name="connsiteY40" fmla="*/ 45244 h 257175"/>
+              <a:gd name="connsiteX41" fmla="*/ 57150 w 340555"/>
+              <a:gd name="connsiteY41" fmla="*/ 52388 h 257175"/>
+              <a:gd name="connsiteX42" fmla="*/ 45244 w 340555"/>
+              <a:gd name="connsiteY42" fmla="*/ 64294 h 257175"/>
+              <a:gd name="connsiteX43" fmla="*/ 42863 w 340555"/>
+              <a:gd name="connsiteY43" fmla="*/ 71438 h 257175"/>
+              <a:gd name="connsiteX44" fmla="*/ 28575 w 340555"/>
+              <a:gd name="connsiteY44" fmla="*/ 83344 h 257175"/>
+              <a:gd name="connsiteX45" fmla="*/ 19050 w 340555"/>
+              <a:gd name="connsiteY45" fmla="*/ 97632 h 257175"/>
+              <a:gd name="connsiteX46" fmla="*/ 16669 w 340555"/>
+              <a:gd name="connsiteY46" fmla="*/ 104775 h 257175"/>
+              <a:gd name="connsiteX47" fmla="*/ 11907 w 340555"/>
+              <a:gd name="connsiteY47" fmla="*/ 111919 h 257175"/>
+              <a:gd name="connsiteX48" fmla="*/ 7144 w 340555"/>
+              <a:gd name="connsiteY48" fmla="*/ 126207 h 257175"/>
+              <a:gd name="connsiteX49" fmla="*/ 0 w 340555"/>
+              <a:gd name="connsiteY49" fmla="*/ 142875 h 257175"/>
+              <a:gd name="connsiteX50" fmla="*/ 7144 w 340555"/>
+              <a:gd name="connsiteY50" fmla="*/ 152400 h 257175"/>
+            </a:gdLst>
+            <a:ahLst/>
+            <a:cxnLst>
+              <a:cxn ang="0">
+                <a:pos x="connsiteX0" y="connsiteY0"/>
+              </a:cxn>
+              <a:cxn ang="0">
+                <a:pos x="connsiteX1" y="connsiteY1"/>
+              </a:cxn>
+              <a:cxn ang="0">
+                <a:pos x="connsiteX2" y="connsiteY2"/>
+              </a:cxn>
+              <a:cxn ang="0">
+                <a:pos x="connsiteX3" y="connsiteY3"/>
+              </a:cxn>
+              <a:cxn ang="0">
+                <a:pos x="connsiteX4" y="connsiteY4"/>
+              </a:cxn>
+              <a:cxn ang="0">
+                <a:pos x="connsiteX5" y="connsiteY5"/>
+              </a:cxn>
+              <a:cxn ang="0">
+                <a:pos x="connsiteX6" y="connsiteY6"/>
+              </a:cxn>
+              <a:cxn ang="0">
+                <a:pos x="connsiteX7" y="connsiteY7"/>
+              </a:cxn>
+              <a:cxn ang="0">
+                <a:pos x="connsiteX8" y="connsiteY8"/>
+              </a:cxn>
+              <a:cxn ang="0">
+                <a:pos x="connsiteX9" y="connsiteY9"/>
+              </a:cxn>
+              <a:cxn ang="0">
+                <a:pos x="connsiteX10" y="connsiteY10"/>
+              </a:cxn>
+              <a:cxn ang="0">
+                <a:pos x="connsiteX11" y="connsiteY11"/>
+              </a:cxn>
+              <a:cxn ang="0">
+                <a:pos x="connsiteX12" y="connsiteY12"/>
+              </a:cxn>
+              <a:cxn ang="0">
+                <a:pos x="connsiteX13" y="connsiteY13"/>
+              </a:cxn>
+              <a:cxn ang="0">
+                <a:pos x="connsiteX14" y="connsiteY14"/>
+              </a:cxn>
+              <a:cxn ang="0">
+                <a:pos x="connsiteX15" y="connsiteY15"/>
+              </a:cxn>
+              <a:cxn ang="0">
+                <a:pos x="connsiteX16" y="connsiteY16"/>
+              </a:cxn>
+              <a:cxn ang="0">
+                <a:pos x="connsiteX17" y="connsiteY17"/>
+              </a:cxn>
+              <a:cxn ang="0">
+                <a:pos x="connsiteX18" y="connsiteY18"/>
+              </a:cxn>
+              <a:cxn ang="0">
+                <a:pos x="connsiteX19" y="connsiteY19"/>
+              </a:cxn>
+              <a:cxn ang="0">
+                <a:pos x="connsiteX20" y="connsiteY20"/>
+              </a:cxn>
+              <a:cxn ang="0">
+                <a:pos x="connsiteX21" y="connsiteY21"/>
+              </a:cxn>
+              <a:cxn ang="0">
+                <a:pos x="connsiteX22" y="connsiteY22"/>
+              </a:cxn>
+              <a:cxn ang="0">
+                <a:pos x="connsiteX23" y="connsiteY23"/>
+              </a:cxn>
+              <a:cxn ang="0">
+                <a:pos x="connsiteX24" y="connsiteY24"/>
+              </a:cxn>
+              <a:cxn ang="0">
+                <a:pos x="connsiteX25" y="connsiteY25"/>
+              </a:cxn>
+              <a:cxn ang="0">
+                <a:pos x="connsiteX26" y="connsiteY26"/>
+              </a:cxn>
+              <a:cxn ang="0">
+                <a:pos x="connsiteX27" y="connsiteY27"/>
+              </a:cxn>
+              <a:cxn ang="0">
+                <a:pos x="connsiteX28" y="connsiteY28"/>
+              </a:cxn>
+              <a:cxn ang="0">
+                <a:pos x="connsiteX29" y="connsiteY29"/>
+              </a:cxn>
+              <a:cxn ang="0">
+                <a:pos x="connsiteX30" y="connsiteY30"/>
+              </a:cxn>
+              <a:cxn ang="0">
+                <a:pos x="connsiteX31" y="connsiteY31"/>
+              </a:cxn>
+              <a:cxn ang="0">
+                <a:pos x="connsiteX32" y="connsiteY32"/>
+              </a:cxn>
+              <a:cxn ang="0">
+                <a:pos x="connsiteX33" y="connsiteY33"/>
+              </a:cxn>
+              <a:cxn ang="0">
+                <a:pos x="connsiteX34" y="connsiteY34"/>
+              </a:cxn>
+              <a:cxn ang="0">
+                <a:pos x="connsiteX35" y="connsiteY35"/>
+              </a:cxn>
+              <a:cxn ang="0">
+                <a:pos x="connsiteX36" y="connsiteY36"/>
+              </a:cxn>
+              <a:cxn ang="0">
+                <a:pos x="connsiteX37" y="connsiteY37"/>
+              </a:cxn>
+              <a:cxn ang="0">
+                <a:pos x="connsiteX38" y="connsiteY38"/>
+              </a:cxn>
+              <a:cxn ang="0">
+                <a:pos x="connsiteX39" y="connsiteY39"/>
+              </a:cxn>
+              <a:cxn ang="0">
+                <a:pos x="connsiteX40" y="connsiteY40"/>
+              </a:cxn>
+              <a:cxn ang="0">
+                <a:pos x="connsiteX41" y="connsiteY41"/>
+              </a:cxn>
+              <a:cxn ang="0">
+                <a:pos x="connsiteX42" y="connsiteY42"/>
+              </a:cxn>
+              <a:cxn ang="0">
+                <a:pos x="connsiteX43" y="connsiteY43"/>
+              </a:cxn>
+              <a:cxn ang="0">
+                <a:pos x="connsiteX44" y="connsiteY44"/>
+              </a:cxn>
+              <a:cxn ang="0">
+                <a:pos x="connsiteX45" y="connsiteY45"/>
+              </a:cxn>
+              <a:cxn ang="0">
+                <a:pos x="connsiteX46" y="connsiteY46"/>
+              </a:cxn>
+              <a:cxn ang="0">
+                <a:pos x="connsiteX47" y="connsiteY47"/>
+              </a:cxn>
+              <a:cxn ang="0">
+                <a:pos x="connsiteX48" y="connsiteY48"/>
+              </a:cxn>
+              <a:cxn ang="0">
+                <a:pos x="connsiteX49" y="connsiteY49"/>
+              </a:cxn>
+              <a:cxn ang="0">
+                <a:pos x="connsiteX50" y="connsiteY50"/>
+              </a:cxn>
+            </a:cxnLst>
+            <a:rect l="l" t="t" r="r" b="b"/>
+            <a:pathLst>
+              <a:path w="340555" h="257175">
+                <a:moveTo>
+                  <a:pt x="7144" y="152400"/>
+                </a:moveTo>
+                <a:cubicBezTo>
+                  <a:pt x="8732" y="158750"/>
+                  <a:pt x="8262" y="171501"/>
+                  <a:pt x="9525" y="180975"/>
+                </a:cubicBezTo>
+                <a:cubicBezTo>
+                  <a:pt x="9857" y="183463"/>
+                  <a:pt x="11298" y="185684"/>
+                  <a:pt x="11907" y="188119"/>
+                </a:cubicBezTo>
+                <a:cubicBezTo>
+                  <a:pt x="12889" y="192045"/>
+                  <a:pt x="12867" y="196235"/>
+                  <a:pt x="14288" y="200025"/>
+                </a:cubicBezTo>
+                <a:cubicBezTo>
+                  <a:pt x="17463" y="208491"/>
+                  <a:pt x="19844" y="206641"/>
+                  <a:pt x="26194" y="211932"/>
+                </a:cubicBezTo>
+                <a:cubicBezTo>
+                  <a:pt x="28781" y="214088"/>
+                  <a:pt x="30536" y="217207"/>
+                  <a:pt x="33338" y="219075"/>
+                </a:cubicBezTo>
+                <a:cubicBezTo>
+                  <a:pt x="35427" y="220467"/>
+                  <a:pt x="38288" y="220238"/>
+                  <a:pt x="40482" y="221457"/>
+                </a:cubicBezTo>
+                <a:cubicBezTo>
+                  <a:pt x="45485" y="224237"/>
+                  <a:pt x="50007" y="227807"/>
+                  <a:pt x="54769" y="230982"/>
+                </a:cubicBezTo>
+                <a:lnTo>
+                  <a:pt x="61913" y="235744"/>
+                </a:lnTo>
+                <a:cubicBezTo>
+                  <a:pt x="64294" y="237332"/>
+                  <a:pt x="66342" y="239602"/>
+                  <a:pt x="69057" y="240507"/>
+                </a:cubicBezTo>
+                <a:cubicBezTo>
+                  <a:pt x="71438" y="241301"/>
+                  <a:pt x="73955" y="241766"/>
+                  <a:pt x="76200" y="242888"/>
+                </a:cubicBezTo>
+                <a:cubicBezTo>
+                  <a:pt x="78760" y="244168"/>
+                  <a:pt x="80714" y="246523"/>
+                  <a:pt x="83344" y="247650"/>
+                </a:cubicBezTo>
+                <a:cubicBezTo>
+                  <a:pt x="89961" y="250486"/>
+                  <a:pt x="107446" y="251774"/>
+                  <a:pt x="111919" y="252413"/>
+                </a:cubicBezTo>
+                <a:cubicBezTo>
+                  <a:pt x="122584" y="253936"/>
+                  <a:pt x="127855" y="255124"/>
+                  <a:pt x="138113" y="257175"/>
+                </a:cubicBezTo>
+                <a:lnTo>
+                  <a:pt x="247650" y="254794"/>
+                </a:lnTo>
+                <a:cubicBezTo>
+                  <a:pt x="256267" y="254456"/>
+                  <a:pt x="260499" y="252817"/>
+                  <a:pt x="266700" y="247650"/>
+                </a:cubicBezTo>
+                <a:cubicBezTo>
+                  <a:pt x="269287" y="245494"/>
+                  <a:pt x="271287" y="242698"/>
+                  <a:pt x="273844" y="240507"/>
+                </a:cubicBezTo>
+                <a:cubicBezTo>
+                  <a:pt x="282501" y="233087"/>
+                  <a:pt x="283136" y="233480"/>
+                  <a:pt x="292894" y="228600"/>
+                </a:cubicBezTo>
+                <a:cubicBezTo>
+                  <a:pt x="297576" y="221579"/>
+                  <a:pt x="297927" y="220041"/>
+                  <a:pt x="304800" y="214313"/>
+                </a:cubicBezTo>
+                <a:cubicBezTo>
+                  <a:pt x="324707" y="197722"/>
+                  <a:pt x="298200" y="223292"/>
+                  <a:pt x="319088" y="202407"/>
+                </a:cubicBezTo>
+                <a:cubicBezTo>
+                  <a:pt x="320675" y="197644"/>
+                  <a:pt x="320838" y="192135"/>
+                  <a:pt x="323850" y="188119"/>
+                </a:cubicBezTo>
+                <a:cubicBezTo>
+                  <a:pt x="332711" y="176304"/>
+                  <a:pt x="328792" y="181896"/>
+                  <a:pt x="335757" y="171450"/>
+                </a:cubicBezTo>
+                <a:cubicBezTo>
+                  <a:pt x="336551" y="160338"/>
+                  <a:pt x="336836" y="149177"/>
+                  <a:pt x="338138" y="138113"/>
+                </a:cubicBezTo>
+                <a:cubicBezTo>
+                  <a:pt x="338431" y="135620"/>
+                  <a:pt x="340519" y="133479"/>
+                  <a:pt x="340519" y="130969"/>
+                </a:cubicBezTo>
+                <a:cubicBezTo>
+                  <a:pt x="340519" y="103970"/>
+                  <a:pt x="341040" y="76850"/>
+                  <a:pt x="338138" y="50007"/>
+                </a:cubicBezTo>
+                <a:cubicBezTo>
+                  <a:pt x="337776" y="46659"/>
+                  <a:pt x="333581" y="45019"/>
+                  <a:pt x="330994" y="42863"/>
+                </a:cubicBezTo>
+                <a:cubicBezTo>
+                  <a:pt x="328795" y="41031"/>
+                  <a:pt x="326481" y="39227"/>
+                  <a:pt x="323850" y="38100"/>
+                </a:cubicBezTo>
+                <a:cubicBezTo>
+                  <a:pt x="299935" y="27850"/>
+                  <a:pt x="332033" y="46956"/>
+                  <a:pt x="300038" y="30957"/>
+                </a:cubicBezTo>
+                <a:cubicBezTo>
+                  <a:pt x="296863" y="29369"/>
+                  <a:pt x="293809" y="27512"/>
+                  <a:pt x="290513" y="26194"/>
+                </a:cubicBezTo>
+                <a:cubicBezTo>
+                  <a:pt x="285852" y="24330"/>
+                  <a:pt x="276225" y="21432"/>
+                  <a:pt x="276225" y="21432"/>
+                </a:cubicBezTo>
+                <a:cubicBezTo>
+                  <a:pt x="264892" y="13875"/>
+                  <a:pt x="273536" y="18482"/>
+                  <a:pt x="259557" y="14288"/>
+                </a:cubicBezTo>
+                <a:cubicBezTo>
+                  <a:pt x="254748" y="12845"/>
+                  <a:pt x="250192" y="10509"/>
+                  <a:pt x="245269" y="9525"/>
+                </a:cubicBezTo>
+                <a:cubicBezTo>
+                  <a:pt x="223661" y="5204"/>
+                  <a:pt x="242098" y="8533"/>
+                  <a:pt x="211932" y="4763"/>
+                </a:cubicBezTo>
+                <a:cubicBezTo>
+                  <a:pt x="199660" y="3229"/>
+                  <a:pt x="192905" y="1989"/>
+                  <a:pt x="180975" y="0"/>
+                </a:cubicBezTo>
+                <a:cubicBezTo>
+                  <a:pt x="179873" y="92"/>
+                  <a:pt x="132348" y="3895"/>
+                  <a:pt x="128588" y="4763"/>
+                </a:cubicBezTo>
+                <a:cubicBezTo>
+                  <a:pt x="125799" y="5406"/>
+                  <a:pt x="123929" y="8105"/>
+                  <a:pt x="121444" y="9525"/>
+                </a:cubicBezTo>
+                <a:cubicBezTo>
+                  <a:pt x="113201" y="14235"/>
+                  <a:pt x="112792" y="13997"/>
+                  <a:pt x="104775" y="16669"/>
+                </a:cubicBezTo>
+                <a:cubicBezTo>
+                  <a:pt x="102394" y="18257"/>
+                  <a:pt x="100192" y="20152"/>
+                  <a:pt x="97632" y="21432"/>
+                </a:cubicBezTo>
+                <a:cubicBezTo>
+                  <a:pt x="95387" y="22555"/>
+                  <a:pt x="92682" y="22594"/>
+                  <a:pt x="90488" y="23813"/>
+                </a:cubicBezTo>
+                <a:cubicBezTo>
+                  <a:pt x="85484" y="26593"/>
+                  <a:pt x="80247" y="29290"/>
+                  <a:pt x="76200" y="33338"/>
+                </a:cubicBezTo>
+                <a:cubicBezTo>
+                  <a:pt x="67033" y="42506"/>
+                  <a:pt x="71859" y="38614"/>
+                  <a:pt x="61913" y="45244"/>
+                </a:cubicBezTo>
+                <a:cubicBezTo>
+                  <a:pt x="60325" y="47625"/>
+                  <a:pt x="59174" y="50364"/>
+                  <a:pt x="57150" y="52388"/>
+                </a:cubicBezTo>
+                <a:cubicBezTo>
+                  <a:pt x="41275" y="68263"/>
+                  <a:pt x="57946" y="45242"/>
+                  <a:pt x="45244" y="64294"/>
+                </a:cubicBezTo>
+                <a:cubicBezTo>
+                  <a:pt x="44450" y="66675"/>
+                  <a:pt x="44255" y="69349"/>
+                  <a:pt x="42863" y="71438"/>
+                </a:cubicBezTo>
+                <a:cubicBezTo>
+                  <a:pt x="39196" y="76939"/>
+                  <a:pt x="33847" y="79830"/>
+                  <a:pt x="28575" y="83344"/>
+                </a:cubicBezTo>
+                <a:cubicBezTo>
+                  <a:pt x="25400" y="88107"/>
+                  <a:pt x="20860" y="92202"/>
+                  <a:pt x="19050" y="97632"/>
+                </a:cubicBezTo>
+                <a:cubicBezTo>
+                  <a:pt x="18256" y="100013"/>
+                  <a:pt x="17791" y="102530"/>
+                  <a:pt x="16669" y="104775"/>
+                </a:cubicBezTo>
+                <a:cubicBezTo>
+                  <a:pt x="15389" y="107335"/>
+                  <a:pt x="13069" y="109304"/>
+                  <a:pt x="11907" y="111919"/>
+                </a:cubicBezTo>
+                <a:cubicBezTo>
+                  <a:pt x="9868" y="116507"/>
+                  <a:pt x="9389" y="121717"/>
+                  <a:pt x="7144" y="126207"/>
+                </a:cubicBezTo>
+                <a:cubicBezTo>
+                  <a:pt x="1260" y="137977"/>
+                  <a:pt x="3505" y="132365"/>
+                  <a:pt x="0" y="142875"/>
+                </a:cubicBezTo>
+                <a:cubicBezTo>
+                  <a:pt x="3637" y="153784"/>
+                  <a:pt x="5556" y="146050"/>
+                  <a:pt x="7144" y="152400"/>
+                </a:cubicBezTo>
+                <a:close/>
+              </a:path>
+            </a:pathLst>
+          </a:custGeom>
+          <a:noFill/>
+          <a:ln w="12700">
+            <a:solidFill>
+              <a:schemeClr val="tx1"/>
+            </a:solidFill>
+          </a:ln>
+        </p:spPr>
+        <p:style>
+          <a:lnRef idx="2">
+            <a:schemeClr val="accent1">
+              <a:shade val="50000"/>
+            </a:schemeClr>
+          </a:lnRef>
+          <a:fillRef idx="1">
+            <a:schemeClr val="accent1"/>
+          </a:fillRef>
+          <a:effectRef idx="0">
+            <a:schemeClr val="accent1"/>
+          </a:effectRef>
+          <a:fontRef idx="minor">
+            <a:schemeClr val="lt1"/>
+          </a:fontRef>
+        </p:style>
+        <p:txBody>
+          <a:bodyPr rtlCol="0" anchor="ctr"/>
+          <a:lstStyle/>
+          <a:p>
+            <a:pPr algn="ctr"/>
+            <a:endParaRPr lang="ko-KR" altLang="en-US"/>
+          </a:p>
+        </p:txBody>
+      </p:sp>
+      <p:sp>
+        <p:nvSpPr>
+          <p:cNvPr id="8" name="자유형 7"/>
+          <p:cNvSpPr/>
+          <p:nvPr/>
+        </p:nvSpPr>
+        <p:spPr>
+          <a:xfrm>
+            <a:off x="3788470" y="2716265"/>
+            <a:ext cx="311944" cy="319088"/>
+          </a:xfrm>
+          <a:custGeom>
+            <a:avLst/>
+            <a:gdLst>
+              <a:gd name="connsiteX0" fmla="*/ 147638 w 311944"/>
+              <a:gd name="connsiteY0" fmla="*/ 0 h 319088"/>
+              <a:gd name="connsiteX1" fmla="*/ 126207 w 311944"/>
+              <a:gd name="connsiteY1" fmla="*/ 7144 h 319088"/>
+              <a:gd name="connsiteX2" fmla="*/ 100013 w 311944"/>
+              <a:gd name="connsiteY2" fmla="*/ 11906 h 319088"/>
+              <a:gd name="connsiteX3" fmla="*/ 90488 w 311944"/>
+              <a:gd name="connsiteY3" fmla="*/ 19050 h 319088"/>
+              <a:gd name="connsiteX4" fmla="*/ 76200 w 311944"/>
+              <a:gd name="connsiteY4" fmla="*/ 28575 h 319088"/>
+              <a:gd name="connsiteX5" fmla="*/ 61913 w 311944"/>
+              <a:gd name="connsiteY5" fmla="*/ 40481 h 319088"/>
+              <a:gd name="connsiteX6" fmla="*/ 47625 w 311944"/>
+              <a:gd name="connsiteY6" fmla="*/ 50006 h 319088"/>
+              <a:gd name="connsiteX7" fmla="*/ 40482 w 311944"/>
+              <a:gd name="connsiteY7" fmla="*/ 54769 h 319088"/>
+              <a:gd name="connsiteX8" fmla="*/ 30957 w 311944"/>
+              <a:gd name="connsiteY8" fmla="*/ 71438 h 319088"/>
+              <a:gd name="connsiteX9" fmla="*/ 26194 w 311944"/>
+              <a:gd name="connsiteY9" fmla="*/ 78581 h 319088"/>
+              <a:gd name="connsiteX10" fmla="*/ 19050 w 311944"/>
+              <a:gd name="connsiteY10" fmla="*/ 83344 h 319088"/>
+              <a:gd name="connsiteX11" fmla="*/ 16669 w 311944"/>
+              <a:gd name="connsiteY11" fmla="*/ 90488 h 319088"/>
+              <a:gd name="connsiteX12" fmla="*/ 14288 w 311944"/>
+              <a:gd name="connsiteY12" fmla="*/ 100013 h 319088"/>
+              <a:gd name="connsiteX13" fmla="*/ 9525 w 311944"/>
+              <a:gd name="connsiteY13" fmla="*/ 107156 h 319088"/>
+              <a:gd name="connsiteX14" fmla="*/ 4763 w 311944"/>
+              <a:gd name="connsiteY14" fmla="*/ 126206 h 319088"/>
+              <a:gd name="connsiteX15" fmla="*/ 0 w 311944"/>
+              <a:gd name="connsiteY15" fmla="*/ 140494 h 319088"/>
+              <a:gd name="connsiteX16" fmla="*/ 4763 w 311944"/>
+              <a:gd name="connsiteY16" fmla="*/ 200025 h 319088"/>
+              <a:gd name="connsiteX17" fmla="*/ 7144 w 311944"/>
+              <a:gd name="connsiteY17" fmla="*/ 207169 h 319088"/>
+              <a:gd name="connsiteX18" fmla="*/ 16669 w 311944"/>
+              <a:gd name="connsiteY18" fmla="*/ 221456 h 319088"/>
+              <a:gd name="connsiteX19" fmla="*/ 23813 w 311944"/>
+              <a:gd name="connsiteY19" fmla="*/ 238125 h 319088"/>
+              <a:gd name="connsiteX20" fmla="*/ 30957 w 311944"/>
+              <a:gd name="connsiteY20" fmla="*/ 252413 h 319088"/>
+              <a:gd name="connsiteX21" fmla="*/ 40482 w 311944"/>
+              <a:gd name="connsiteY21" fmla="*/ 266700 h 319088"/>
+              <a:gd name="connsiteX22" fmla="*/ 54769 w 311944"/>
+              <a:gd name="connsiteY22" fmla="*/ 271463 h 319088"/>
+              <a:gd name="connsiteX23" fmla="*/ 57150 w 311944"/>
+              <a:gd name="connsiteY23" fmla="*/ 278606 h 319088"/>
+              <a:gd name="connsiteX24" fmla="*/ 66675 w 311944"/>
+              <a:gd name="connsiteY24" fmla="*/ 283369 h 319088"/>
+              <a:gd name="connsiteX25" fmla="*/ 73819 w 311944"/>
+              <a:gd name="connsiteY25" fmla="*/ 288131 h 319088"/>
+              <a:gd name="connsiteX26" fmla="*/ 78582 w 311944"/>
+              <a:gd name="connsiteY26" fmla="*/ 295275 h 319088"/>
+              <a:gd name="connsiteX27" fmla="*/ 92869 w 311944"/>
+              <a:gd name="connsiteY27" fmla="*/ 300038 h 319088"/>
+              <a:gd name="connsiteX28" fmla="*/ 102394 w 311944"/>
+              <a:gd name="connsiteY28" fmla="*/ 302419 h 319088"/>
+              <a:gd name="connsiteX29" fmla="*/ 114300 w 311944"/>
+              <a:gd name="connsiteY29" fmla="*/ 304800 h 319088"/>
+              <a:gd name="connsiteX30" fmla="*/ 121444 w 311944"/>
+              <a:gd name="connsiteY30" fmla="*/ 307181 h 319088"/>
+              <a:gd name="connsiteX31" fmla="*/ 130969 w 311944"/>
+              <a:gd name="connsiteY31" fmla="*/ 309563 h 319088"/>
+              <a:gd name="connsiteX32" fmla="*/ 138113 w 311944"/>
+              <a:gd name="connsiteY32" fmla="*/ 314325 h 319088"/>
+              <a:gd name="connsiteX33" fmla="*/ 178594 w 311944"/>
+              <a:gd name="connsiteY33" fmla="*/ 319088 h 319088"/>
+              <a:gd name="connsiteX34" fmla="*/ 219075 w 311944"/>
+              <a:gd name="connsiteY34" fmla="*/ 314325 h 319088"/>
+              <a:gd name="connsiteX35" fmla="*/ 228600 w 311944"/>
+              <a:gd name="connsiteY35" fmla="*/ 311944 h 319088"/>
+              <a:gd name="connsiteX36" fmla="*/ 242888 w 311944"/>
+              <a:gd name="connsiteY36" fmla="*/ 300038 h 319088"/>
+              <a:gd name="connsiteX37" fmla="*/ 250032 w 311944"/>
+              <a:gd name="connsiteY37" fmla="*/ 297656 h 319088"/>
+              <a:gd name="connsiteX38" fmla="*/ 259557 w 311944"/>
+              <a:gd name="connsiteY38" fmla="*/ 292894 h 319088"/>
+              <a:gd name="connsiteX39" fmla="*/ 276225 w 311944"/>
+              <a:gd name="connsiteY39" fmla="*/ 285750 h 319088"/>
+              <a:gd name="connsiteX40" fmla="*/ 285750 w 311944"/>
+              <a:gd name="connsiteY40" fmla="*/ 271463 h 319088"/>
+              <a:gd name="connsiteX41" fmla="*/ 288132 w 311944"/>
+              <a:gd name="connsiteY41" fmla="*/ 257175 h 319088"/>
+              <a:gd name="connsiteX42" fmla="*/ 292894 w 311944"/>
+              <a:gd name="connsiteY42" fmla="*/ 250031 h 319088"/>
+              <a:gd name="connsiteX43" fmla="*/ 300038 w 311944"/>
+              <a:gd name="connsiteY43" fmla="*/ 235744 h 319088"/>
+              <a:gd name="connsiteX44" fmla="*/ 304800 w 311944"/>
+              <a:gd name="connsiteY44" fmla="*/ 214313 h 319088"/>
+              <a:gd name="connsiteX45" fmla="*/ 311944 w 311944"/>
+              <a:gd name="connsiteY45" fmla="*/ 185738 h 319088"/>
+              <a:gd name="connsiteX46" fmla="*/ 309563 w 311944"/>
+              <a:gd name="connsiteY46" fmla="*/ 123825 h 319088"/>
+              <a:gd name="connsiteX47" fmla="*/ 304800 w 311944"/>
+              <a:gd name="connsiteY47" fmla="*/ 109538 h 319088"/>
+              <a:gd name="connsiteX48" fmla="*/ 295275 w 311944"/>
+              <a:gd name="connsiteY48" fmla="*/ 92869 h 319088"/>
+              <a:gd name="connsiteX49" fmla="*/ 292894 w 311944"/>
+              <a:gd name="connsiteY49" fmla="*/ 83344 h 319088"/>
+              <a:gd name="connsiteX50" fmla="*/ 280988 w 311944"/>
+              <a:gd name="connsiteY50" fmla="*/ 69056 h 319088"/>
+              <a:gd name="connsiteX51" fmla="*/ 273844 w 311944"/>
+              <a:gd name="connsiteY51" fmla="*/ 54769 h 319088"/>
+              <a:gd name="connsiteX52" fmla="*/ 266700 w 311944"/>
+              <a:gd name="connsiteY52" fmla="*/ 50006 h 319088"/>
+              <a:gd name="connsiteX53" fmla="*/ 264319 w 311944"/>
+              <a:gd name="connsiteY53" fmla="*/ 42863 h 319088"/>
+              <a:gd name="connsiteX54" fmla="*/ 257175 w 311944"/>
+              <a:gd name="connsiteY54" fmla="*/ 40481 h 319088"/>
+              <a:gd name="connsiteX55" fmla="*/ 242888 w 311944"/>
+              <a:gd name="connsiteY55" fmla="*/ 33338 h 319088"/>
+              <a:gd name="connsiteX56" fmla="*/ 226219 w 311944"/>
+              <a:gd name="connsiteY56" fmla="*/ 23813 h 319088"/>
+              <a:gd name="connsiteX57" fmla="*/ 216694 w 311944"/>
+              <a:gd name="connsiteY57" fmla="*/ 21431 h 319088"/>
+              <a:gd name="connsiteX58" fmla="*/ 202407 w 311944"/>
+              <a:gd name="connsiteY58" fmla="*/ 16669 h 319088"/>
+              <a:gd name="connsiteX59" fmla="*/ 195263 w 311944"/>
+              <a:gd name="connsiteY59" fmla="*/ 14288 h 319088"/>
+              <a:gd name="connsiteX60" fmla="*/ 178594 w 311944"/>
+              <a:gd name="connsiteY60" fmla="*/ 11906 h 319088"/>
+              <a:gd name="connsiteX61" fmla="*/ 164307 w 311944"/>
+              <a:gd name="connsiteY61" fmla="*/ 7144 h 319088"/>
+              <a:gd name="connsiteX62" fmla="*/ 147638 w 311944"/>
+              <a:gd name="connsiteY62" fmla="*/ 0 h 319088"/>
+            </a:gdLst>
+            <a:ahLst/>
+            <a:cxnLst>
+              <a:cxn ang="0">
+                <a:pos x="connsiteX0" y="connsiteY0"/>
+              </a:cxn>
+              <a:cxn ang="0">
+                <a:pos x="connsiteX1" y="connsiteY1"/>
+              </a:cxn>
+              <a:cxn ang="0">
+                <a:pos x="connsiteX2" y="connsiteY2"/>
+              </a:cxn>
+              <a:cxn ang="0">
+                <a:pos x="connsiteX3" y="connsiteY3"/>
+              </a:cxn>
+              <a:cxn ang="0">
+                <a:pos x="connsiteX4" y="connsiteY4"/>
+              </a:cxn>
+              <a:cxn ang="0">
+                <a:pos x="connsiteX5" y="connsiteY5"/>
+              </a:cxn>
+              <a:cxn ang="0">
+                <a:pos x="connsiteX6" y="connsiteY6"/>
+              </a:cxn>
+              <a:cxn ang="0">
+                <a:pos x="connsiteX7" y="connsiteY7"/>
+              </a:cxn>
+              <a:cxn ang="0">
+                <a:pos x="connsiteX8" y="connsiteY8"/>
+              </a:cxn>
+              <a:cxn ang="0">
+                <a:pos x="connsiteX9" y="connsiteY9"/>
+              </a:cxn>
+              <a:cxn ang="0">
+                <a:pos x="connsiteX10" y="connsiteY10"/>
+              </a:cxn>
+              <a:cxn ang="0">
+                <a:pos x="connsiteX11" y="connsiteY11"/>
+              </a:cxn>
+              <a:cxn ang="0">
+                <a:pos x="connsiteX12" y="connsiteY12"/>
+              </a:cxn>
+              <a:cxn ang="0">
+                <a:pos x="connsiteX13" y="connsiteY13"/>
+              </a:cxn>
+              <a:cxn ang="0">
+                <a:pos x="connsiteX14" y="connsiteY14"/>
+              </a:cxn>
+              <a:cxn ang="0">
+                <a:pos x="connsiteX15" y="connsiteY15"/>
+              </a:cxn>
+              <a:cxn ang="0">
+                <a:pos x="connsiteX16" y="connsiteY16"/>
+              </a:cxn>
+              <a:cxn ang="0">
+                <a:pos x="connsiteX17" y="connsiteY17"/>
+              </a:cxn>
+              <a:cxn ang="0">
+                <a:pos x="connsiteX18" y="connsiteY18"/>
+              </a:cxn>
+              <a:cxn ang="0">
+                <a:pos x="connsiteX19" y="connsiteY19"/>
+              </a:cxn>
+              <a:cxn ang="0">
+                <a:pos x="connsiteX20" y="connsiteY20"/>
+              </a:cxn>
+              <a:cxn ang="0">
+                <a:pos x="connsiteX21" y="connsiteY21"/>
+              </a:cxn>
+              <a:cxn ang="0">
+                <a:pos x="connsiteX22" y="connsiteY22"/>
+              </a:cxn>
+              <a:cxn ang="0">
+                <a:pos x="connsiteX23" y="connsiteY23"/>
+              </a:cxn>
+              <a:cxn ang="0">
+                <a:pos x="connsiteX24" y="connsiteY24"/>
+              </a:cxn>
+              <a:cxn ang="0">
+                <a:pos x="connsiteX25" y="connsiteY25"/>
+              </a:cxn>
+              <a:cxn ang="0">
+                <a:pos x="connsiteX26" y="connsiteY26"/>
+              </a:cxn>
+              <a:cxn ang="0">
+                <a:pos x="connsiteX27" y="connsiteY27"/>
+              </a:cxn>
+              <a:cxn ang="0">
+                <a:pos x="connsiteX28" y="connsiteY28"/>
+              </a:cxn>
+              <a:cxn ang="0">
+                <a:pos x="connsiteX29" y="connsiteY29"/>
+              </a:cxn>
+              <a:cxn ang="0">
+                <a:pos x="connsiteX30" y="connsiteY30"/>
+              </a:cxn>
+              <a:cxn ang="0">
+                <a:pos x="connsiteX31" y="connsiteY31"/>
+              </a:cxn>
+              <a:cxn ang="0">
+                <a:pos x="connsiteX32" y="connsiteY32"/>
+              </a:cxn>
+              <a:cxn ang="0">
+                <a:pos x="connsiteX33" y="connsiteY33"/>
+              </a:cxn>
+              <a:cxn ang="0">
+                <a:pos x="connsiteX34" y="connsiteY34"/>
+              </a:cxn>
+              <a:cxn ang="0">
+                <a:pos x="connsiteX35" y="connsiteY35"/>
+              </a:cxn>
+              <a:cxn ang="0">
+                <a:pos x="connsiteX36" y="connsiteY36"/>
+              </a:cxn>
+              <a:cxn ang="0">
+                <a:pos x="connsiteX37" y="connsiteY37"/>
+              </a:cxn>
+              <a:cxn ang="0">
+                <a:pos x="connsiteX38" y="connsiteY38"/>
+              </a:cxn>
+              <a:cxn ang="0">
+                <a:pos x="connsiteX39" y="connsiteY39"/>
+              </a:cxn>
+              <a:cxn ang="0">
+                <a:pos x="connsiteX40" y="connsiteY40"/>
+              </a:cxn>
+              <a:cxn ang="0">
+                <a:pos x="connsiteX41" y="connsiteY41"/>
+              </a:cxn>
+              <a:cxn ang="0">
+                <a:pos x="connsiteX42" y="connsiteY42"/>
+              </a:cxn>
+              <a:cxn ang="0">
+                <a:pos x="connsiteX43" y="connsiteY43"/>
+              </a:cxn>
+              <a:cxn ang="0">
+                <a:pos x="connsiteX44" y="connsiteY44"/>
+              </a:cxn>
+              <a:cxn ang="0">
+                <a:pos x="connsiteX45" y="connsiteY45"/>
+              </a:cxn>
+              <a:cxn ang="0">
+                <a:pos x="connsiteX46" y="connsiteY46"/>
+              </a:cxn>
+              <a:cxn ang="0">
+                <a:pos x="connsiteX47" y="connsiteY47"/>
+              </a:cxn>
+              <a:cxn ang="0">
+                <a:pos x="connsiteX48" y="connsiteY48"/>
+              </a:cxn>
+              <a:cxn ang="0">
+                <a:pos x="connsiteX49" y="connsiteY49"/>
+              </a:cxn>
+              <a:cxn ang="0">
+                <a:pos x="connsiteX50" y="connsiteY50"/>
+              </a:cxn>
+              <a:cxn ang="0">
+                <a:pos x="connsiteX51" y="connsiteY51"/>
+              </a:cxn>
+              <a:cxn ang="0">
+                <a:pos x="connsiteX52" y="connsiteY52"/>
+              </a:cxn>
+              <a:cxn ang="0">
+                <a:pos x="connsiteX53" y="connsiteY53"/>
+              </a:cxn>
+              <a:cxn ang="0">
+                <a:pos x="connsiteX54" y="connsiteY54"/>
+              </a:cxn>
+              <a:cxn ang="0">
+                <a:pos x="connsiteX55" y="connsiteY55"/>
+              </a:cxn>
+              <a:cxn ang="0">
+                <a:pos x="connsiteX56" y="connsiteY56"/>
+              </a:cxn>
+              <a:cxn ang="0">
+                <a:pos x="connsiteX57" y="connsiteY57"/>
+              </a:cxn>
+              <a:cxn ang="0">
+                <a:pos x="connsiteX58" y="connsiteY58"/>
+              </a:cxn>
+              <a:cxn ang="0">
+                <a:pos x="connsiteX59" y="connsiteY59"/>
+              </a:cxn>
+              <a:cxn ang="0">
+                <a:pos x="connsiteX60" y="connsiteY60"/>
+              </a:cxn>
+              <a:cxn ang="0">
+                <a:pos x="connsiteX61" y="connsiteY61"/>
+              </a:cxn>
+              <a:cxn ang="0">
+                <a:pos x="connsiteX62" y="connsiteY62"/>
+              </a:cxn>
+            </a:cxnLst>
+            <a:rect l="l" t="t" r="r" b="b"/>
+            <a:pathLst>
+              <a:path w="311944" h="319088">
+                <a:moveTo>
+                  <a:pt x="147638" y="0"/>
+                </a:moveTo>
+                <a:cubicBezTo>
+                  <a:pt x="141288" y="0"/>
+                  <a:pt x="133661" y="6079"/>
+                  <a:pt x="126207" y="7144"/>
+                </a:cubicBezTo>
+                <a:cubicBezTo>
+                  <a:pt x="106298" y="9988"/>
+                  <a:pt x="114983" y="8164"/>
+                  <a:pt x="100013" y="11906"/>
+                </a:cubicBezTo>
+                <a:cubicBezTo>
+                  <a:pt x="96838" y="14287"/>
+                  <a:pt x="93739" y="16774"/>
+                  <a:pt x="90488" y="19050"/>
+                </a:cubicBezTo>
+                <a:cubicBezTo>
+                  <a:pt x="85799" y="22332"/>
+                  <a:pt x="80247" y="24527"/>
+                  <a:pt x="76200" y="28575"/>
+                </a:cubicBezTo>
+                <a:cubicBezTo>
+                  <a:pt x="55340" y="49438"/>
+                  <a:pt x="81797" y="23912"/>
+                  <a:pt x="61913" y="40481"/>
+                </a:cubicBezTo>
+                <a:cubicBezTo>
+                  <a:pt x="50020" y="50391"/>
+                  <a:pt x="60180" y="45821"/>
+                  <a:pt x="47625" y="50006"/>
+                </a:cubicBezTo>
+                <a:cubicBezTo>
+                  <a:pt x="45244" y="51594"/>
+                  <a:pt x="42506" y="52745"/>
+                  <a:pt x="40482" y="54769"/>
+                </a:cubicBezTo>
+                <a:cubicBezTo>
+                  <a:pt x="36611" y="58640"/>
+                  <a:pt x="33450" y="67075"/>
+                  <a:pt x="30957" y="71438"/>
+                </a:cubicBezTo>
+                <a:cubicBezTo>
+                  <a:pt x="29537" y="73923"/>
+                  <a:pt x="28218" y="76557"/>
+                  <a:pt x="26194" y="78581"/>
+                </a:cubicBezTo>
+                <a:cubicBezTo>
+                  <a:pt x="24170" y="80605"/>
+                  <a:pt x="21431" y="81756"/>
+                  <a:pt x="19050" y="83344"/>
+                </a:cubicBezTo>
+                <a:cubicBezTo>
+                  <a:pt x="18256" y="85725"/>
+                  <a:pt x="17359" y="88074"/>
+                  <a:pt x="16669" y="90488"/>
+                </a:cubicBezTo>
+                <a:cubicBezTo>
+                  <a:pt x="15770" y="93635"/>
+                  <a:pt x="15577" y="97005"/>
+                  <a:pt x="14288" y="100013"/>
+                </a:cubicBezTo>
+                <a:cubicBezTo>
+                  <a:pt x="13161" y="102643"/>
+                  <a:pt x="11113" y="104775"/>
+                  <a:pt x="9525" y="107156"/>
+                </a:cubicBezTo>
+                <a:cubicBezTo>
+                  <a:pt x="7938" y="113506"/>
+                  <a:pt x="6833" y="119997"/>
+                  <a:pt x="4763" y="126206"/>
+                </a:cubicBezTo>
+                <a:lnTo>
+                  <a:pt x="0" y="140494"/>
+                </a:lnTo>
+                <a:cubicBezTo>
+                  <a:pt x="1234" y="165168"/>
+                  <a:pt x="-391" y="179406"/>
+                  <a:pt x="4763" y="200025"/>
+                </a:cubicBezTo>
+                <a:cubicBezTo>
+                  <a:pt x="5372" y="202460"/>
+                  <a:pt x="5925" y="204975"/>
+                  <a:pt x="7144" y="207169"/>
+                </a:cubicBezTo>
+                <a:cubicBezTo>
+                  <a:pt x="9924" y="212172"/>
+                  <a:pt x="16669" y="221456"/>
+                  <a:pt x="16669" y="221456"/>
+                </a:cubicBezTo>
+                <a:cubicBezTo>
+                  <a:pt x="22253" y="238210"/>
+                  <a:pt x="14985" y="217527"/>
+                  <a:pt x="23813" y="238125"/>
+                </a:cubicBezTo>
+                <a:cubicBezTo>
+                  <a:pt x="29729" y="251930"/>
+                  <a:pt x="21802" y="238682"/>
+                  <a:pt x="30957" y="252413"/>
+                </a:cubicBezTo>
+                <a:cubicBezTo>
+                  <a:pt x="33195" y="259126"/>
+                  <a:pt x="33185" y="262646"/>
+                  <a:pt x="40482" y="266700"/>
+                </a:cubicBezTo>
+                <a:cubicBezTo>
+                  <a:pt x="44870" y="269138"/>
+                  <a:pt x="54769" y="271463"/>
+                  <a:pt x="54769" y="271463"/>
+                </a:cubicBezTo>
+                <a:cubicBezTo>
+                  <a:pt x="55563" y="273844"/>
+                  <a:pt x="55375" y="276831"/>
+                  <a:pt x="57150" y="278606"/>
+                </a:cubicBezTo>
+                <a:cubicBezTo>
+                  <a:pt x="59660" y="281116"/>
+                  <a:pt x="63593" y="281608"/>
+                  <a:pt x="66675" y="283369"/>
+                </a:cubicBezTo>
+                <a:cubicBezTo>
+                  <a:pt x="69160" y="284789"/>
+                  <a:pt x="71438" y="286544"/>
+                  <a:pt x="73819" y="288131"/>
+                </a:cubicBezTo>
+                <a:cubicBezTo>
+                  <a:pt x="75407" y="290512"/>
+                  <a:pt x="76155" y="293758"/>
+                  <a:pt x="78582" y="295275"/>
+                </a:cubicBezTo>
+                <a:cubicBezTo>
+                  <a:pt x="82839" y="297936"/>
+                  <a:pt x="87999" y="298821"/>
+                  <a:pt x="92869" y="300038"/>
+                </a:cubicBezTo>
+                <a:cubicBezTo>
+                  <a:pt x="96044" y="300832"/>
+                  <a:pt x="99199" y="301709"/>
+                  <a:pt x="102394" y="302419"/>
+                </a:cubicBezTo>
+                <a:cubicBezTo>
+                  <a:pt x="106345" y="303297"/>
+                  <a:pt x="110374" y="303818"/>
+                  <a:pt x="114300" y="304800"/>
+                </a:cubicBezTo>
+                <a:cubicBezTo>
+                  <a:pt x="116735" y="305409"/>
+                  <a:pt x="119030" y="306491"/>
+                  <a:pt x="121444" y="307181"/>
+                </a:cubicBezTo>
+                <a:cubicBezTo>
+                  <a:pt x="124591" y="308080"/>
+                  <a:pt x="127794" y="308769"/>
+                  <a:pt x="130969" y="309563"/>
+                </a:cubicBezTo>
+                <a:cubicBezTo>
+                  <a:pt x="133350" y="311150"/>
+                  <a:pt x="135372" y="313503"/>
+                  <a:pt x="138113" y="314325"/>
+                </a:cubicBezTo>
+                <a:cubicBezTo>
+                  <a:pt x="143373" y="315903"/>
+                  <a:pt x="176635" y="318892"/>
+                  <a:pt x="178594" y="319088"/>
+                </a:cubicBezTo>
+                <a:cubicBezTo>
+                  <a:pt x="192088" y="317500"/>
+                  <a:pt x="205625" y="316247"/>
+                  <a:pt x="219075" y="314325"/>
+                </a:cubicBezTo>
+                <a:cubicBezTo>
+                  <a:pt x="222315" y="313862"/>
+                  <a:pt x="225592" y="313233"/>
+                  <a:pt x="228600" y="311944"/>
+                </a:cubicBezTo>
+                <a:cubicBezTo>
+                  <a:pt x="239503" y="307271"/>
+                  <a:pt x="232593" y="306901"/>
+                  <a:pt x="242888" y="300038"/>
+                </a:cubicBezTo>
+                <a:cubicBezTo>
+                  <a:pt x="244977" y="298646"/>
+                  <a:pt x="247725" y="298645"/>
+                  <a:pt x="250032" y="297656"/>
+                </a:cubicBezTo>
+                <a:cubicBezTo>
+                  <a:pt x="253295" y="296258"/>
+                  <a:pt x="256294" y="294292"/>
+                  <a:pt x="259557" y="292894"/>
+                </a:cubicBezTo>
+                <a:cubicBezTo>
+                  <a:pt x="284063" y="282392"/>
+                  <a:pt x="244661" y="301534"/>
+                  <a:pt x="276225" y="285750"/>
+                </a:cubicBezTo>
+                <a:cubicBezTo>
+                  <a:pt x="279400" y="280988"/>
+                  <a:pt x="284809" y="277109"/>
+                  <a:pt x="285750" y="271463"/>
+                </a:cubicBezTo>
+                <a:cubicBezTo>
+                  <a:pt x="286544" y="266700"/>
+                  <a:pt x="286605" y="261756"/>
+                  <a:pt x="288132" y="257175"/>
+                </a:cubicBezTo>
+                <a:cubicBezTo>
+                  <a:pt x="289037" y="254460"/>
+                  <a:pt x="291614" y="252591"/>
+                  <a:pt x="292894" y="250031"/>
+                </a:cubicBezTo>
+                <a:cubicBezTo>
+                  <a:pt x="302748" y="230322"/>
+                  <a:pt x="286393" y="256210"/>
+                  <a:pt x="300038" y="235744"/>
+                </a:cubicBezTo>
+                <a:cubicBezTo>
+                  <a:pt x="306853" y="215297"/>
+                  <a:pt x="296414" y="247854"/>
+                  <a:pt x="304800" y="214313"/>
+                </a:cubicBezTo>
+                <a:cubicBezTo>
+                  <a:pt x="314234" y="176578"/>
+                  <a:pt x="305714" y="223121"/>
+                  <a:pt x="311944" y="185738"/>
+                </a:cubicBezTo>
+                <a:cubicBezTo>
+                  <a:pt x="311150" y="165100"/>
+                  <a:pt x="311491" y="144388"/>
+                  <a:pt x="309563" y="123825"/>
+                </a:cubicBezTo>
+                <a:cubicBezTo>
+                  <a:pt x="309094" y="118827"/>
+                  <a:pt x="307045" y="114028"/>
+                  <a:pt x="304800" y="109538"/>
+                </a:cubicBezTo>
+                <a:cubicBezTo>
+                  <a:pt x="298758" y="97453"/>
+                  <a:pt x="302007" y="102966"/>
+                  <a:pt x="295275" y="92869"/>
+                </a:cubicBezTo>
+                <a:cubicBezTo>
+                  <a:pt x="294481" y="89694"/>
+                  <a:pt x="294183" y="86352"/>
+                  <a:pt x="292894" y="83344"/>
+                </a:cubicBezTo>
+                <a:cubicBezTo>
+                  <a:pt x="290407" y="77541"/>
+                  <a:pt x="285280" y="73348"/>
+                  <a:pt x="280988" y="69056"/>
+                </a:cubicBezTo>
+                <a:cubicBezTo>
+                  <a:pt x="279051" y="63245"/>
+                  <a:pt x="278461" y="59386"/>
+                  <a:pt x="273844" y="54769"/>
+                </a:cubicBezTo>
+                <a:cubicBezTo>
+                  <a:pt x="271820" y="52745"/>
+                  <a:pt x="269081" y="51594"/>
+                  <a:pt x="266700" y="50006"/>
+                </a:cubicBezTo>
+                <a:cubicBezTo>
+                  <a:pt x="265906" y="47625"/>
+                  <a:pt x="266094" y="44638"/>
+                  <a:pt x="264319" y="42863"/>
+                </a:cubicBezTo>
+                <a:cubicBezTo>
+                  <a:pt x="262544" y="41088"/>
+                  <a:pt x="259420" y="41604"/>
+                  <a:pt x="257175" y="40481"/>
+                </a:cubicBezTo>
+                <a:cubicBezTo>
+                  <a:pt x="238718" y="31252"/>
+                  <a:pt x="260839" y="39321"/>
+                  <a:pt x="242888" y="33338"/>
+                </a:cubicBezTo>
+                <a:cubicBezTo>
+                  <a:pt x="236964" y="29388"/>
+                  <a:pt x="233128" y="26404"/>
+                  <a:pt x="226219" y="23813"/>
+                </a:cubicBezTo>
+                <a:cubicBezTo>
+                  <a:pt x="223155" y="22664"/>
+                  <a:pt x="219829" y="22371"/>
+                  <a:pt x="216694" y="21431"/>
+                </a:cubicBezTo>
+                <a:cubicBezTo>
+                  <a:pt x="211886" y="19988"/>
+                  <a:pt x="207169" y="18256"/>
+                  <a:pt x="202407" y="16669"/>
+                </a:cubicBezTo>
+                <a:cubicBezTo>
+                  <a:pt x="200026" y="15875"/>
+                  <a:pt x="197748" y="14643"/>
+                  <a:pt x="195263" y="14288"/>
+                </a:cubicBezTo>
+                <a:lnTo>
+                  <a:pt x="178594" y="11906"/>
+                </a:lnTo>
+                <a:cubicBezTo>
+                  <a:pt x="173832" y="10319"/>
+                  <a:pt x="169288" y="7767"/>
+                  <a:pt x="164307" y="7144"/>
+                </a:cubicBezTo>
+                <a:cubicBezTo>
+                  <a:pt x="143682" y="4566"/>
+                  <a:pt x="153988" y="0"/>
+                  <a:pt x="147638" y="0"/>
+                </a:cubicBezTo>
+                <a:close/>
+              </a:path>
+            </a:pathLst>
+          </a:custGeom>
+          <a:noFill/>
+          <a:ln w="12700">
+            <a:solidFill>
+              <a:schemeClr val="tx1"/>
+            </a:solidFill>
+          </a:ln>
+        </p:spPr>
+        <p:style>
+          <a:lnRef idx="2">
+            <a:schemeClr val="accent1">
+              <a:shade val="50000"/>
+            </a:schemeClr>
+          </a:lnRef>
+          <a:fillRef idx="1">
+            <a:schemeClr val="accent1"/>
+          </a:fillRef>
+          <a:effectRef idx="0">
+            <a:schemeClr val="accent1"/>
+          </a:effectRef>
+          <a:fontRef idx="minor">
+            <a:schemeClr val="lt1"/>
+          </a:fontRef>
+        </p:style>
+        <p:txBody>
+          <a:bodyPr rtlCol="0" anchor="ctr"/>
+          <a:lstStyle/>
+          <a:p>
+            <a:pPr algn="ctr"/>
+            <a:endParaRPr lang="ko-KR" altLang="en-US"/>
+          </a:p>
+        </p:txBody>
+      </p:sp>
+      <p:sp>
+        <p:nvSpPr>
+          <p:cNvPr id="9" name="자유형 8"/>
+          <p:cNvSpPr/>
+          <p:nvPr/>
+        </p:nvSpPr>
+        <p:spPr>
+          <a:xfrm>
+            <a:off x="2296289" y="2826674"/>
+            <a:ext cx="337775" cy="98270"/>
+          </a:xfrm>
+          <a:custGeom>
+            <a:avLst/>
+            <a:gdLst>
+              <a:gd name="connsiteX0" fmla="*/ 9923 w 337775"/>
+              <a:gd name="connsiteY0" fmla="*/ 819 h 98270"/>
+              <a:gd name="connsiteX1" fmla="*/ 136923 w 337775"/>
+              <a:gd name="connsiteY1" fmla="*/ 7169 h 98270"/>
+              <a:gd name="connsiteX2" fmla="*/ 175023 w 337775"/>
+              <a:gd name="connsiteY2" fmla="*/ 3994 h 98270"/>
+              <a:gd name="connsiteX3" fmla="*/ 241698 w 337775"/>
+              <a:gd name="connsiteY3" fmla="*/ 819 h 98270"/>
+              <a:gd name="connsiteX4" fmla="*/ 336948 w 337775"/>
+              <a:gd name="connsiteY4" fmla="*/ 7169 h 98270"/>
+              <a:gd name="connsiteX5" fmla="*/ 327423 w 337775"/>
+              <a:gd name="connsiteY5" fmla="*/ 13519 h 98270"/>
+              <a:gd name="connsiteX6" fmla="*/ 308373 w 337775"/>
+              <a:gd name="connsiteY6" fmla="*/ 32569 h 98270"/>
+              <a:gd name="connsiteX7" fmla="*/ 289323 w 337775"/>
+              <a:gd name="connsiteY7" fmla="*/ 45269 h 98270"/>
+              <a:gd name="connsiteX8" fmla="*/ 279798 w 337775"/>
+              <a:gd name="connsiteY8" fmla="*/ 51619 h 98270"/>
+              <a:gd name="connsiteX9" fmla="*/ 267098 w 337775"/>
+              <a:gd name="connsiteY9" fmla="*/ 57969 h 98270"/>
+              <a:gd name="connsiteX10" fmla="*/ 257573 w 337775"/>
+              <a:gd name="connsiteY10" fmla="*/ 64319 h 98270"/>
+              <a:gd name="connsiteX11" fmla="*/ 241698 w 337775"/>
+              <a:gd name="connsiteY11" fmla="*/ 67494 h 98270"/>
+              <a:gd name="connsiteX12" fmla="*/ 232173 w 337775"/>
+              <a:gd name="connsiteY12" fmla="*/ 77019 h 98270"/>
+              <a:gd name="connsiteX13" fmla="*/ 206773 w 337775"/>
+              <a:gd name="connsiteY13" fmla="*/ 83369 h 98270"/>
+              <a:gd name="connsiteX14" fmla="*/ 197248 w 337775"/>
+              <a:gd name="connsiteY14" fmla="*/ 86544 h 98270"/>
+              <a:gd name="connsiteX15" fmla="*/ 155973 w 337775"/>
+              <a:gd name="connsiteY15" fmla="*/ 92894 h 98270"/>
+              <a:gd name="connsiteX16" fmla="*/ 89298 w 337775"/>
+              <a:gd name="connsiteY16" fmla="*/ 92894 h 98270"/>
+              <a:gd name="connsiteX17" fmla="*/ 79773 w 337775"/>
+              <a:gd name="connsiteY17" fmla="*/ 89719 h 98270"/>
+              <a:gd name="connsiteX18" fmla="*/ 63898 w 337775"/>
+              <a:gd name="connsiteY18" fmla="*/ 86544 h 98270"/>
+              <a:gd name="connsiteX19" fmla="*/ 51198 w 337775"/>
+              <a:gd name="connsiteY19" fmla="*/ 83369 h 98270"/>
+              <a:gd name="connsiteX20" fmla="*/ 32148 w 337775"/>
+              <a:gd name="connsiteY20" fmla="*/ 64319 h 98270"/>
+              <a:gd name="connsiteX21" fmla="*/ 25798 w 337775"/>
+              <a:gd name="connsiteY21" fmla="*/ 54794 h 98270"/>
+              <a:gd name="connsiteX22" fmla="*/ 19448 w 337775"/>
+              <a:gd name="connsiteY22" fmla="*/ 35744 h 98270"/>
+              <a:gd name="connsiteX23" fmla="*/ 9923 w 337775"/>
+              <a:gd name="connsiteY23" fmla="*/ 29394 h 98270"/>
+              <a:gd name="connsiteX24" fmla="*/ 9923 w 337775"/>
+              <a:gd name="connsiteY24" fmla="*/ 819 h 98270"/>
+            </a:gdLst>
+            <a:ahLst/>
+            <a:cxnLst>
+              <a:cxn ang="0">
+                <a:pos x="connsiteX0" y="connsiteY0"/>
+              </a:cxn>
+              <a:cxn ang="0">
+                <a:pos x="connsiteX1" y="connsiteY1"/>
+              </a:cxn>
+              <a:cxn ang="0">
+                <a:pos x="connsiteX2" y="connsiteY2"/>
+              </a:cxn>
+              <a:cxn ang="0">
+                <a:pos x="connsiteX3" y="connsiteY3"/>
+              </a:cxn>
+              <a:cxn ang="0">
+                <a:pos x="connsiteX4" y="connsiteY4"/>
+              </a:cxn>
+              <a:cxn ang="0">
+                <a:pos x="connsiteX5" y="connsiteY5"/>
+              </a:cxn>
+              <a:cxn ang="0">
+                <a:pos x="connsiteX6" y="connsiteY6"/>
+              </a:cxn>
+              <a:cxn ang="0">
+                <a:pos x="connsiteX7" y="connsiteY7"/>
+              </a:cxn>
+              <a:cxn ang="0">
+                <a:pos x="connsiteX8" y="connsiteY8"/>
+              </a:cxn>
+              <a:cxn ang="0">
+                <a:pos x="connsiteX9" y="connsiteY9"/>
+              </a:cxn>
+              <a:cxn ang="0">
+                <a:pos x="connsiteX10" y="connsiteY10"/>
+              </a:cxn>
+              <a:cxn ang="0">
+                <a:pos x="connsiteX11" y="connsiteY11"/>
+              </a:cxn>
+              <a:cxn ang="0">
+                <a:pos x="connsiteX12" y="connsiteY12"/>
+              </a:cxn>
+              <a:cxn ang="0">
+                <a:pos x="connsiteX13" y="connsiteY13"/>
+              </a:cxn>
+              <a:cxn ang="0">
+                <a:pos x="connsiteX14" y="connsiteY14"/>
+              </a:cxn>
+              <a:cxn ang="0">
+                <a:pos x="connsiteX15" y="connsiteY15"/>
+              </a:cxn>
+              <a:cxn ang="0">
+                <a:pos x="connsiteX16" y="connsiteY16"/>
+              </a:cxn>
+              <a:cxn ang="0">
+                <a:pos x="connsiteX17" y="connsiteY17"/>
+              </a:cxn>
+              <a:cxn ang="0">
+                <a:pos x="connsiteX18" y="connsiteY18"/>
+              </a:cxn>
+              <a:cxn ang="0">
+                <a:pos x="connsiteX19" y="connsiteY19"/>
+              </a:cxn>
+              <a:cxn ang="0">
+                <a:pos x="connsiteX20" y="connsiteY20"/>
+              </a:cxn>
+              <a:cxn ang="0">
+                <a:pos x="connsiteX21" y="connsiteY21"/>
+              </a:cxn>
+              <a:cxn ang="0">
+                <a:pos x="connsiteX22" y="connsiteY22"/>
+              </a:cxn>
+              <a:cxn ang="0">
+                <a:pos x="connsiteX23" y="connsiteY23"/>
+              </a:cxn>
+              <a:cxn ang="0">
+                <a:pos x="connsiteX24" y="connsiteY24"/>
+              </a:cxn>
+            </a:cxnLst>
+            <a:rect l="l" t="t" r="r" b="b"/>
+            <a:pathLst>
+              <a:path w="337775" h="98270">
+                <a:moveTo>
+                  <a:pt x="9923" y="819"/>
+                </a:moveTo>
+                <a:cubicBezTo>
+                  <a:pt x="31090" y="-2885"/>
+                  <a:pt x="113176" y="7169"/>
+                  <a:pt x="136923" y="7169"/>
+                </a:cubicBezTo>
+                <a:cubicBezTo>
+                  <a:pt x="149667" y="7169"/>
+                  <a:pt x="162302" y="4765"/>
+                  <a:pt x="175023" y="3994"/>
+                </a:cubicBezTo>
+                <a:cubicBezTo>
+                  <a:pt x="197232" y="2648"/>
+                  <a:pt x="219473" y="1877"/>
+                  <a:pt x="241698" y="819"/>
+                </a:cubicBezTo>
+                <a:cubicBezTo>
+                  <a:pt x="273448" y="2936"/>
+                  <a:pt x="305471" y="2506"/>
+                  <a:pt x="336948" y="7169"/>
+                </a:cubicBezTo>
+                <a:cubicBezTo>
+                  <a:pt x="340723" y="7728"/>
+                  <a:pt x="330528" y="11301"/>
+                  <a:pt x="327423" y="13519"/>
+                </a:cubicBezTo>
+                <a:cubicBezTo>
+                  <a:pt x="304876" y="29624"/>
+                  <a:pt x="322558" y="15547"/>
+                  <a:pt x="308373" y="32569"/>
+                </a:cubicBezTo>
+                <a:cubicBezTo>
+                  <a:pt x="295476" y="48046"/>
+                  <a:pt x="303857" y="38002"/>
+                  <a:pt x="289323" y="45269"/>
+                </a:cubicBezTo>
+                <a:cubicBezTo>
+                  <a:pt x="285910" y="46976"/>
+                  <a:pt x="283111" y="49726"/>
+                  <a:pt x="279798" y="51619"/>
+                </a:cubicBezTo>
+                <a:cubicBezTo>
+                  <a:pt x="275689" y="53967"/>
+                  <a:pt x="271207" y="55621"/>
+                  <a:pt x="267098" y="57969"/>
+                </a:cubicBezTo>
+                <a:cubicBezTo>
+                  <a:pt x="263785" y="59862"/>
+                  <a:pt x="261146" y="62979"/>
+                  <a:pt x="257573" y="64319"/>
+                </a:cubicBezTo>
+                <a:cubicBezTo>
+                  <a:pt x="252520" y="66214"/>
+                  <a:pt x="246990" y="66436"/>
+                  <a:pt x="241698" y="67494"/>
+                </a:cubicBezTo>
+                <a:cubicBezTo>
+                  <a:pt x="238523" y="70669"/>
+                  <a:pt x="236261" y="75161"/>
+                  <a:pt x="232173" y="77019"/>
+                </a:cubicBezTo>
+                <a:cubicBezTo>
+                  <a:pt x="224228" y="80630"/>
+                  <a:pt x="215052" y="80609"/>
+                  <a:pt x="206773" y="83369"/>
+                </a:cubicBezTo>
+                <a:cubicBezTo>
+                  <a:pt x="203598" y="84427"/>
+                  <a:pt x="200495" y="85732"/>
+                  <a:pt x="197248" y="86544"/>
+                </a:cubicBezTo>
+                <a:cubicBezTo>
+                  <a:pt x="182703" y="90180"/>
+                  <a:pt x="171396" y="90966"/>
+                  <a:pt x="155973" y="92894"/>
+                </a:cubicBezTo>
+                <a:cubicBezTo>
+                  <a:pt x="129330" y="101775"/>
+                  <a:pt x="144189" y="98122"/>
+                  <a:pt x="89298" y="92894"/>
+                </a:cubicBezTo>
+                <a:cubicBezTo>
+                  <a:pt x="85966" y="92577"/>
+                  <a:pt x="83020" y="90531"/>
+                  <a:pt x="79773" y="89719"/>
+                </a:cubicBezTo>
+                <a:cubicBezTo>
+                  <a:pt x="74538" y="88410"/>
+                  <a:pt x="69166" y="87715"/>
+                  <a:pt x="63898" y="86544"/>
+                </a:cubicBezTo>
+                <a:cubicBezTo>
+                  <a:pt x="59638" y="85597"/>
+                  <a:pt x="55431" y="84427"/>
+                  <a:pt x="51198" y="83369"/>
+                </a:cubicBezTo>
+                <a:cubicBezTo>
+                  <a:pt x="36233" y="60921"/>
+                  <a:pt x="55777" y="87948"/>
+                  <a:pt x="32148" y="64319"/>
+                </a:cubicBezTo>
+                <a:cubicBezTo>
+                  <a:pt x="29450" y="61621"/>
+                  <a:pt x="27348" y="58281"/>
+                  <a:pt x="25798" y="54794"/>
+                </a:cubicBezTo>
+                <a:cubicBezTo>
+                  <a:pt x="23080" y="48677"/>
+                  <a:pt x="25017" y="39457"/>
+                  <a:pt x="19448" y="35744"/>
+                </a:cubicBezTo>
+                <a:cubicBezTo>
+                  <a:pt x="16273" y="33627"/>
+                  <a:pt x="11263" y="32967"/>
+                  <a:pt x="9923" y="29394"/>
+                </a:cubicBezTo>
+                <a:cubicBezTo>
+                  <a:pt x="7693" y="23448"/>
+                  <a:pt x="-11244" y="4523"/>
+                  <a:pt x="9923" y="819"/>
+                </a:cubicBezTo>
+                <a:close/>
+              </a:path>
+            </a:pathLst>
+          </a:custGeom>
+          <a:noFill/>
+          <a:ln w="12700">
+            <a:solidFill>
+              <a:schemeClr val="tx1"/>
+            </a:solidFill>
+          </a:ln>
+        </p:spPr>
+        <p:style>
+          <a:lnRef idx="2">
+            <a:schemeClr val="accent1">
+              <a:shade val="50000"/>
+            </a:schemeClr>
+          </a:lnRef>
+          <a:fillRef idx="1">
+            <a:schemeClr val="accent1"/>
+          </a:fillRef>
+          <a:effectRef idx="0">
+            <a:schemeClr val="accent1"/>
+          </a:effectRef>
+          <a:fontRef idx="minor">
+            <a:schemeClr val="lt1"/>
+          </a:fontRef>
+        </p:style>
+        <p:txBody>
+          <a:bodyPr rtlCol="0" anchor="ctr"/>
+          <a:lstStyle/>
+          <a:p>
+            <a:pPr algn="ctr"/>
+            <a:endParaRPr lang="ko-KR" altLang="en-US"/>
+          </a:p>
+        </p:txBody>
+      </p:sp>
+    </p:spTree>
+    <p:extLst>
+      <p:ext uri="{BB962C8B-B14F-4D97-AF65-F5344CB8AC3E}">
+        <p14:creationId xmlns:p14="http://schemas.microsoft.com/office/powerpoint/2010/main" val="2517845631"/>
+      </p:ext>
+    </p:extLst>
+  </p:cSld>
+  <p:clrMapOvr>
+    <a:masterClrMapping/>
+  </p:clrMapOvr>
+  <p:timing>
+    <p:tnLst>
+      <p:par>
+        <p:cTn id="1" dur="indefinite" restart="never" nodeType="tmRoot"/>
+      </p:par>
+    </p:tnLst>
+  </p:timing>
 </p:sld>
 </file>
 
